--- a/03-versions.pptx
+++ b/03-versions.pptx
@@ -264,7 +264,7 @@
               <a:rPr lang="en-US" smtClean="0">
                 <a:latin typeface="Segoe UI" pitchFamily="34" charset="0"/>
               </a:rPr>
-              <a:t>3/14/19 1:45 PM</a:t>
+              <a:t>3/6/20 3:35 PM</a:t>
             </a:fld>
             <a:endParaRPr lang="en-US" dirty="0">
               <a:latin typeface="Segoe UI" pitchFamily="34" charset="0"/>
@@ -561,7 +561,7 @@
           <a:p>
             <a:fld id="{D18B56EA-E28F-4F92-9F16-7A6F2501B303}" type="datetime8">
               <a:rPr lang="en-US" smtClean="0"/>
-              <a:t>3/14/19 1:45 PM</a:t>
+              <a:t>3/6/20 3:35 PM</a:t>
             </a:fld>
             <a:endParaRPr lang="en-US" dirty="0"/>
           </a:p>
@@ -944,7 +944,7 @@
           <a:p>
             <a:fld id="{D18B56EA-E28F-4F92-9F16-7A6F2501B303}" type="datetime8">
               <a:rPr lang="en-US" smtClean="0"/>
-              <a:t>3/14/19 1:46 PM</a:t>
+              <a:t>3/6/20 3:35 PM</a:t>
             </a:fld>
             <a:endParaRPr lang="en-US" dirty="0"/>
           </a:p>
@@ -978,6 +978,187 @@
     <p:extLst>
       <p:ext uri="{BB962C8B-B14F-4D97-AF65-F5344CB8AC3E}">
         <p14:creationId xmlns:p14="http://schemas.microsoft.com/office/powerpoint/2010/main" val="909857904"/>
+      </p:ext>
+    </p:extLst>
+  </p:cSld>
+  <p:clrMapOvr>
+    <a:masterClrMapping/>
+  </p:clrMapOvr>
+</p:notes>
+</file>
+
+<file path=ppt/notesSlides/notesSlide10.xml><?xml version="1.0" encoding="utf-8"?>
+<p:notes xmlns:a="http://schemas.openxmlformats.org/drawingml/2006/main" xmlns:r="http://schemas.openxmlformats.org/officeDocument/2006/relationships" xmlns:p="http://schemas.openxmlformats.org/presentationml/2006/main">
+  <p:cSld>
+    <p:spTree>
+      <p:nvGrpSpPr>
+        <p:cNvPr id="1" name=""/>
+        <p:cNvGrpSpPr/>
+        <p:nvPr/>
+      </p:nvGrpSpPr>
+      <p:grpSpPr>
+        <a:xfrm>
+          <a:off x="0" y="0"/>
+          <a:ext cx="0" cy="0"/>
+          <a:chOff x="0" y="0"/>
+          <a:chExt cx="0" cy="0"/>
+        </a:xfrm>
+      </p:grpSpPr>
+      <p:sp>
+        <p:nvSpPr>
+          <p:cNvPr id="2" name="Slide Image Placeholder 1"/>
+          <p:cNvSpPr>
+            <a:spLocks noGrp="1" noRot="1" noChangeAspect="1"/>
+          </p:cNvSpPr>
+          <p:nvPr>
+            <p:ph type="sldImg"/>
+          </p:nvPr>
+        </p:nvSpPr>
+        <p:spPr/>
+      </p:sp>
+      <p:sp>
+        <p:nvSpPr>
+          <p:cNvPr id="3" name="Notes Placeholder 2"/>
+          <p:cNvSpPr>
+            <a:spLocks noGrp="1"/>
+          </p:cNvSpPr>
+          <p:nvPr>
+            <p:ph type="body" idx="1"/>
+          </p:nvPr>
+        </p:nvSpPr>
+        <p:spPr/>
+        <p:txBody>
+          <a:bodyPr/>
+          <a:lstStyle/>
+          <a:p>
+            <a:endParaRPr lang="en-US"/>
+          </a:p>
+        </p:txBody>
+      </p:sp>
+      <p:sp>
+        <p:nvSpPr>
+          <p:cNvPr id="4" name="Header Placeholder 3"/>
+          <p:cNvSpPr>
+            <a:spLocks noGrp="1"/>
+          </p:cNvSpPr>
+          <p:nvPr>
+            <p:ph type="hdr" sz="quarter" idx="10"/>
+          </p:nvPr>
+        </p:nvSpPr>
+        <p:spPr/>
+        <p:txBody>
+          <a:bodyPr/>
+          <a:lstStyle/>
+          <a:p>
+            <a:endParaRPr lang="en-US" dirty="0"/>
+          </a:p>
+        </p:txBody>
+      </p:sp>
+      <p:sp>
+        <p:nvSpPr>
+          <p:cNvPr id="5" name="Footer Placeholder 4"/>
+          <p:cNvSpPr>
+            <a:spLocks noGrp="1"/>
+          </p:cNvSpPr>
+          <p:nvPr>
+            <p:ph type="ftr" sz="quarter" idx="11"/>
+          </p:nvPr>
+        </p:nvSpPr>
+        <p:spPr/>
+        <p:txBody>
+          <a:bodyPr/>
+          <a:lstStyle/>
+          <a:p>
+            <a:pPr defTabSz="914099" eaLnBrk="0" hangingPunct="0"/>
+            <a:r>
+              <a:rPr lang="en-US" sz="400">
+                <a:gradFill>
+                  <a:gsLst>
+                    <a:gs pos="0">
+                      <a:prstClr val="black"/>
+                    </a:gs>
+                    <a:gs pos="100000">
+                      <a:prstClr val="black"/>
+                    </a:gs>
+                  </a:gsLst>
+                  <a:lin ang="5400000" scaled="0"/>
+                </a:gradFill>
+                <a:latin typeface="Segoe UI" pitchFamily="34" charset="0"/>
+                <a:ea typeface="Segoe UI" pitchFamily="34" charset="0"/>
+                <a:cs typeface="Segoe UI" pitchFamily="34" charset="0"/>
+              </a:rPr>
+              <a:t>© Microsoft Corporation. All rights reserved. MICROSOFT MAKES NO WARRANTIES, EXPRESS, IMPLIED OR STATUTORY, AS TO THE INFORMATION IN THIS PRESENTATION.</a:t>
+            </a:r>
+            <a:endParaRPr lang="en-US" sz="400" dirty="0">
+              <a:gradFill>
+                <a:gsLst>
+                  <a:gs pos="0">
+                    <a:prstClr val="black"/>
+                  </a:gs>
+                  <a:gs pos="100000">
+                    <a:prstClr val="black"/>
+                  </a:gs>
+                </a:gsLst>
+                <a:lin ang="5400000" scaled="0"/>
+              </a:gradFill>
+              <a:latin typeface="Segoe UI" pitchFamily="34" charset="0"/>
+              <a:ea typeface="Segoe UI" pitchFamily="34" charset="0"/>
+              <a:cs typeface="Segoe UI" pitchFamily="34" charset="0"/>
+            </a:endParaRPr>
+          </a:p>
+        </p:txBody>
+      </p:sp>
+      <p:sp>
+        <p:nvSpPr>
+          <p:cNvPr id="6" name="Date Placeholder 5"/>
+          <p:cNvSpPr>
+            <a:spLocks noGrp="1"/>
+          </p:cNvSpPr>
+          <p:nvPr>
+            <p:ph type="dt" idx="12"/>
+          </p:nvPr>
+        </p:nvSpPr>
+        <p:spPr/>
+        <p:txBody>
+          <a:bodyPr/>
+          <a:lstStyle/>
+          <a:p>
+            <a:fld id="{D18B56EA-E28F-4F92-9F16-7A6F2501B303}" type="datetime8">
+              <a:rPr lang="en-US" smtClean="0"/>
+              <a:t>3/6/20 3:35 PM</a:t>
+            </a:fld>
+            <a:endParaRPr lang="en-US" dirty="0"/>
+          </a:p>
+        </p:txBody>
+      </p:sp>
+      <p:sp>
+        <p:nvSpPr>
+          <p:cNvPr id="7" name="Slide Number Placeholder 6"/>
+          <p:cNvSpPr>
+            <a:spLocks noGrp="1"/>
+          </p:cNvSpPr>
+          <p:nvPr>
+            <p:ph type="sldNum" sz="quarter" idx="13"/>
+          </p:nvPr>
+        </p:nvSpPr>
+        <p:spPr/>
+        <p:txBody>
+          <a:bodyPr/>
+          <a:lstStyle/>
+          <a:p>
+            <a:fld id="{B4008EB6-D09E-4580-8CD6-DDB14511944F}" type="slidenum">
+              <a:rPr lang="en-US" smtClean="0"/>
+              <a:pPr/>
+              <a:t>11</a:t>
+            </a:fld>
+            <a:endParaRPr lang="en-US" dirty="0"/>
+          </a:p>
+        </p:txBody>
+      </p:sp>
+    </p:spTree>
+    <p:extLst>
+      <p:ext uri="{BB962C8B-B14F-4D97-AF65-F5344CB8AC3E}">
+        <p14:creationId xmlns:p14="http://schemas.microsoft.com/office/powerpoint/2010/main" val="1685519606"/>
       </p:ext>
     </p:extLst>
   </p:cSld>
@@ -1031,7 +1212,10 @@
           <a:bodyPr/>
           <a:lstStyle/>
           <a:p>
-            <a:endParaRPr lang="en-US"/>
+            <a:r>
+              <a:rPr lang="en-US" dirty="0"/>
+              <a:t>In this unit, you'll learn how versioning works in SharePoint Framework solutions and how to upgrade existing components.</a:t>
+            </a:r>
           </a:p>
         </p:txBody>
       </p:sp>
@@ -1125,7 +1309,7 @@
           <a:p>
             <a:fld id="{D18B56EA-E28F-4F92-9F16-7A6F2501B303}" type="datetime8">
               <a:rPr lang="en-US" smtClean="0"/>
-              <a:t>3/14/19 3:35 PM</a:t>
+              <a:t>3/8/20 8:29 AM</a:t>
             </a:fld>
             <a:endParaRPr lang="en-US" dirty="0"/>
           </a:p>
@@ -1212,6 +1396,48 @@
           <a:bodyPr/>
           <a:lstStyle/>
           <a:p>
+            <a:r>
+              <a:rPr lang="en-US" dirty="0"/>
+              <a:t>SharePoint Framework projects have two different things that you can version.</a:t>
+            </a:r>
+          </a:p>
+          <a:p>
+            <a:endParaRPr lang="en-US" dirty="0"/>
+          </a:p>
+          <a:p>
+            <a:r>
+              <a:rPr lang="en-US" dirty="0"/>
+              <a:t>In a SharePoint Framework project, you can assign a version to the component itself, such as a web part or an extension. You can also version the entire SharePoint Framework package.</a:t>
+            </a:r>
+          </a:p>
+          <a:p>
+            <a:endParaRPr lang="en-US" dirty="0"/>
+          </a:p>
+          <a:p>
+            <a:r>
+              <a:rPr lang="en-US" dirty="0"/>
+              <a:t>When updating a component or package, it is not required to increment the version numbers. Versioning is mostly used for documentation purposes but there are some scenarios that require you to increment the versions of packages and components.</a:t>
+            </a:r>
+          </a:p>
+          <a:p>
+            <a:endParaRPr lang="en-US" dirty="0"/>
+          </a:p>
+          <a:p>
+            <a:r>
+              <a:rPr lang="en-US" dirty="0"/>
+              <a:t>When you change the code for a SharePoint Framework component, you'll need to rebuild, bundle, package and redeploy the solution to SharePoint. When the package is redeployed, all existing code files are automatically overwritten with the new files regardless if the version number changed or not.</a:t>
+            </a:r>
+          </a:p>
+          <a:p>
+            <a:endParaRPr lang="en-US" dirty="0"/>
+          </a:p>
+          <a:p>
+            <a:r>
+              <a:rPr lang="en-US" dirty="0"/>
+              <a:t>The only time a version number can impact updating a SharePoint package or component is when you increment the package version. When SharePoint detects a new version number for an updated package, it will trigger SharePoint's app upgrade process. Nothing happens automatically, but the app can now be upgraded.</a:t>
+            </a:r>
+          </a:p>
+          <a:p>
             <a:endParaRPr lang="en-US" dirty="0"/>
           </a:p>
         </p:txBody>
@@ -1374,6 +1600,41 @@
           <a:bodyPr/>
           <a:lstStyle/>
           <a:p>
+            <a:r>
+              <a:rPr lang="en-US" dirty="0"/>
+              <a:t>The version number of components is set in the component's manifest file. The `version` property is set to a string as shown in the following figure:</a:t>
+            </a:r>
+          </a:p>
+          <a:p>
+            <a:endParaRPr lang="en-US" dirty="0"/>
+          </a:p>
+          <a:p>
+            <a:r>
+              <a:rPr lang="en-US" dirty="0"/>
+              <a:t>If this value is set to `*`, the `version` property from the project's **</a:t>
+            </a:r>
+            <a:r>
+              <a:rPr lang="en-US" dirty="0" err="1"/>
+              <a:t>package.json</a:t>
+            </a:r>
+            <a:r>
+              <a:rPr lang="en-US" dirty="0"/>
+              <a:t>** file is used.</a:t>
+            </a:r>
+          </a:p>
+          <a:p>
+            <a:endParaRPr lang="en-US" dirty="0"/>
+          </a:p>
+          <a:p>
+            <a:r>
+              <a:rPr lang="en-US" dirty="0"/>
+              <a:t>By setting the version number in each component manifest, different components in the resulting SharePoint package can each share the same version number or they can have unique version numbers.</a:t>
+            </a:r>
+          </a:p>
+          <a:p>
+            <a:endParaRPr lang="en-US" dirty="0"/>
+          </a:p>
+          <a:p>
             <a:endParaRPr lang="en-US" dirty="0"/>
           </a:p>
         </p:txBody>
@@ -1385,7 +1646,7 @@
             <a:spLocks noGrp="1"/>
           </p:cNvSpPr>
           <p:nvPr>
-            <p:ph type="hdr" sz="quarter" idx="10"/>
+            <p:ph type="hdr" sz="quarter"/>
           </p:nvPr>
         </p:nvSpPr>
         <p:spPr/>
@@ -1395,7 +1656,7 @@
           <a:p>
             <a:r>
               <a:rPr lang="en-US"/>
-              <a:t>SharePoint</a:t>
+              <a:t>SharePoint Framework</a:t>
             </a:r>
             <a:endParaRPr lang="en-US" dirty="0"/>
           </a:p>
@@ -1408,7 +1669,7 @@
             <a:spLocks noGrp="1"/>
           </p:cNvSpPr>
           <p:nvPr>
-            <p:ph type="ftr" sz="quarter" idx="11"/>
+            <p:ph type="ftr" sz="quarter" idx="4"/>
           </p:nvPr>
         </p:nvSpPr>
         <p:spPr/>
@@ -1416,7 +1677,7 @@
           <a:bodyPr/>
           <a:lstStyle/>
           <a:p>
-            <a:pPr defTabSz="924154" eaLnBrk="0" hangingPunct="0"/>
+            <a:pPr defTabSz="914099" eaLnBrk="0" hangingPunct="0"/>
             <a:r>
               <a:rPr lang="en-US" sz="400">
                 <a:gradFill>
@@ -1434,7 +1695,7 @@
                 <a:ea typeface="Segoe UI" pitchFamily="34" charset="0"/>
                 <a:cs typeface="Segoe UI" pitchFamily="34" charset="0"/>
               </a:rPr>
-              <a:t>© 2016 Microsoft Corporation. All rights reserved. MICROSOFT MAKES NO WARRANTIES, EXPRESS, IMPLIED OR STATUTORY, AS TO THE INFORMATION IN THIS PRESENTATION.</a:t>
+              <a:t>© Microsoft Corporation. All rights reserved. MICROSOFT MAKES NO WARRANTIES, EXPRESS, IMPLIED OR STATUTORY, AS TO THE INFORMATION IN THIS PRESENTATION.</a:t>
             </a:r>
             <a:endParaRPr lang="en-US" sz="400" dirty="0">
               <a:gradFill>
@@ -1457,12 +1718,12 @@
       </p:sp>
       <p:sp>
         <p:nvSpPr>
-          <p:cNvPr id="6" name="Slide Number Placeholder 5"/>
+          <p:cNvPr id="6" name="Date Placeholder 5"/>
           <p:cNvSpPr>
             <a:spLocks noGrp="1"/>
           </p:cNvSpPr>
           <p:nvPr>
-            <p:ph type="sldNum" sz="quarter" idx="12"/>
+            <p:ph type="dt" idx="1"/>
           </p:nvPr>
         </p:nvSpPr>
         <p:spPr/>
@@ -1470,10 +1731,33 @@
           <a:bodyPr/>
           <a:lstStyle/>
           <a:p>
+            <a:fld id="{D18B56EA-E28F-4F92-9F16-7A6F2501B303}" type="datetime8">
+              <a:rPr lang="en-US" smtClean="0"/>
+              <a:t>3/8/20 8:43 AM</a:t>
+            </a:fld>
+            <a:endParaRPr lang="en-US" dirty="0"/>
+          </a:p>
+        </p:txBody>
+      </p:sp>
+      <p:sp>
+        <p:nvSpPr>
+          <p:cNvPr id="7" name="Slide Number Placeholder 6"/>
+          <p:cNvSpPr>
+            <a:spLocks noGrp="1"/>
+          </p:cNvSpPr>
+          <p:nvPr>
+            <p:ph type="sldNum" sz="quarter" idx="5"/>
+          </p:nvPr>
+        </p:nvSpPr>
+        <p:spPr/>
+        <p:txBody>
+          <a:bodyPr/>
+          <a:lstStyle/>
+          <a:p>
             <a:fld id="{B4008EB6-D09E-4580-8CD6-DDB14511944F}" type="slidenum">
               <a:rPr lang="en-US" smtClean="0"/>
               <a:pPr/>
-              <a:t>6</a:t>
+              <a:t>4</a:t>
             </a:fld>
             <a:endParaRPr lang="en-US" dirty="0"/>
           </a:p>
@@ -1482,7 +1766,7 @@
     </p:spTree>
     <p:extLst>
       <p:ext uri="{BB962C8B-B14F-4D97-AF65-F5344CB8AC3E}">
-        <p14:creationId xmlns:p14="http://schemas.microsoft.com/office/powerpoint/2010/main" val="2101158010"/>
+        <p14:creationId xmlns:p14="http://schemas.microsoft.com/office/powerpoint/2010/main" val="2019990637"/>
       </p:ext>
     </p:extLst>
   </p:cSld>
@@ -1536,7 +1820,71 @@
           <a:bodyPr/>
           <a:lstStyle/>
           <a:p>
-            <a:endParaRPr lang="en-US"/>
+            <a:r>
+              <a:rPr lang="en-US" dirty="0"/>
+              <a:t>The version number for the package is defined in the **./config/package-</a:t>
+            </a:r>
+            <a:r>
+              <a:rPr lang="en-US" dirty="0" err="1"/>
+              <a:t>solution.json</a:t>
+            </a:r>
+            <a:r>
+              <a:rPr lang="en-US" dirty="0"/>
+              <a:t>** file. SharePoint package version is displayed in the tenant or site collection App Catalog:</a:t>
+            </a:r>
+          </a:p>
+          <a:p>
+            <a:endParaRPr lang="en-US" dirty="0"/>
+          </a:p>
+          <a:p>
+            <a:r>
+              <a:rPr lang="en-US" dirty="0"/>
+              <a:t>![Screenshot of the SharePoint package version](../media/06-package-version.png)</a:t>
+            </a:r>
+          </a:p>
+          <a:p>
+            <a:endParaRPr lang="en-US" dirty="0"/>
+          </a:p>
+          <a:p>
+            <a:r>
+              <a:rPr lang="en-US" dirty="0"/>
+              <a:t>If you deploy an updated SharePoint package without changing the version numbers, SharePoint will still update the existing deployed component runtime files, including the JavaScript bundles.</a:t>
+            </a:r>
+          </a:p>
+          <a:p>
+            <a:endParaRPr lang="en-US" dirty="0"/>
+          </a:p>
+          <a:p>
+            <a:r>
+              <a:rPr lang="en-US" dirty="0"/>
+              <a:t>The package version is used for documentation and to trigger the SharePoint app upgrade process. The app upgrade process is required when you want to add a new component to your project.</a:t>
+            </a:r>
+          </a:p>
+          <a:p>
+            <a:endParaRPr lang="en-US" dirty="0"/>
+          </a:p>
+          <a:p>
+            <a:r>
+              <a:rPr lang="en-US" dirty="0"/>
+              <a:t>Consider the following example of a **./config/package-</a:t>
+            </a:r>
+            <a:r>
+              <a:rPr lang="en-US" dirty="0" err="1"/>
+              <a:t>solution.json</a:t>
+            </a:r>
+            <a:r>
+              <a:rPr lang="en-US" dirty="0"/>
+              <a:t>** file:</a:t>
+            </a:r>
+          </a:p>
+          <a:p>
+            <a:endParaRPr lang="en-US" dirty="0"/>
+          </a:p>
+          <a:p>
+            <a:r>
+              <a:rPr lang="en-US" dirty="0"/>
+              <a:t>The package is version 1.0.0.0. If I added a new SharePoint Framework component to this package, I would need to increment this version for SharePoint to give site owners the ability to upgrade any existing app instances of this package. Otherwise, the SharePoint feature that provisions the new web part's definition file to the Web Part Gallery can't get re-activated.</a:t>
+            </a:r>
           </a:p>
         </p:txBody>
       </p:sp>
@@ -1547,7 +1895,7 @@
             <a:spLocks noGrp="1"/>
           </p:cNvSpPr>
           <p:nvPr>
-            <p:ph type="hdr" sz="quarter" idx="10"/>
+            <p:ph type="hdr" sz="quarter"/>
           </p:nvPr>
         </p:nvSpPr>
         <p:spPr/>
@@ -1555,6 +1903,10 @@
           <a:bodyPr/>
           <a:lstStyle/>
           <a:p>
+            <a:r>
+              <a:rPr lang="en-US"/>
+              <a:t>SharePoint Framework</a:t>
+            </a:r>
             <a:endParaRPr lang="en-US" dirty="0"/>
           </a:p>
         </p:txBody>
@@ -1566,7 +1918,7 @@
             <a:spLocks noGrp="1"/>
           </p:cNvSpPr>
           <p:nvPr>
-            <p:ph type="ftr" sz="quarter" idx="11"/>
+            <p:ph type="ftr" sz="quarter" idx="4"/>
           </p:nvPr>
         </p:nvSpPr>
         <p:spPr/>
@@ -1620,7 +1972,7 @@
             <a:spLocks noGrp="1"/>
           </p:cNvSpPr>
           <p:nvPr>
-            <p:ph type="dt" idx="12"/>
+            <p:ph type="dt" idx="1"/>
           </p:nvPr>
         </p:nvSpPr>
         <p:spPr/>
@@ -1630,7 +1982,7 @@
           <a:p>
             <a:fld id="{D18B56EA-E28F-4F92-9F16-7A6F2501B303}" type="datetime8">
               <a:rPr lang="en-US" smtClean="0"/>
-              <a:t>3/14/19 2:48 PM</a:t>
+              <a:t>3/8/20 5:27 PM</a:t>
             </a:fld>
             <a:endParaRPr lang="en-US" dirty="0"/>
           </a:p>
@@ -1643,7 +1995,7 @@
             <a:spLocks noGrp="1"/>
           </p:cNvSpPr>
           <p:nvPr>
-            <p:ph type="sldNum" sz="quarter" idx="13"/>
+            <p:ph type="sldNum" sz="quarter" idx="5"/>
           </p:nvPr>
         </p:nvSpPr>
         <p:spPr/>
@@ -1654,7 +2006,7 @@
             <a:fld id="{B4008EB6-D09E-4580-8CD6-DDB14511944F}" type="slidenum">
               <a:rPr lang="en-US" smtClean="0"/>
               <a:pPr/>
-              <a:t>7</a:t>
+              <a:t>5</a:t>
             </a:fld>
             <a:endParaRPr lang="en-US" dirty="0"/>
           </a:p>
@@ -1663,7 +2015,7 @@
     </p:spTree>
     <p:extLst>
       <p:ext uri="{BB962C8B-B14F-4D97-AF65-F5344CB8AC3E}">
-        <p14:creationId xmlns:p14="http://schemas.microsoft.com/office/powerpoint/2010/main" val="3738293785"/>
+        <p14:creationId xmlns:p14="http://schemas.microsoft.com/office/powerpoint/2010/main" val="1029756487"/>
       </p:ext>
     </p:extLst>
   </p:cSld>
@@ -1717,7 +2069,44 @@
           <a:bodyPr/>
           <a:lstStyle/>
           <a:p>
+            <a:r>
+              <a:rPr lang="en-US" dirty="0"/>
+              <a:t>The last version number to look at in a SharePoint Framework project is the one that's listed in the project's **</a:t>
+            </a:r>
+            <a:r>
+              <a:rPr lang="en-US" dirty="0" err="1"/>
+              <a:t>package.json</a:t>
+            </a:r>
+            <a:r>
+              <a:rPr lang="en-US" dirty="0"/>
+              <a:t>** file. The only time the value of the `version` property in this file is used is when you have set the `version` property in a component's manifest file to `*` instead of a specific value.</a:t>
+            </a:r>
+          </a:p>
+          <a:p>
             <a:endParaRPr lang="en-US" dirty="0"/>
+          </a:p>
+          <a:p>
+            <a:r>
+              <a:rPr lang="en-US" dirty="0"/>
+              <a:t>The value of the **</a:t>
+            </a:r>
+            <a:r>
+              <a:rPr lang="en-US" dirty="0" err="1"/>
+              <a:t>package.json</a:t>
+            </a:r>
+            <a:r>
+              <a:rPr lang="en-US" dirty="0"/>
+              <a:t>**'s `version` property doesn't have any impact on the component other than documentation. Neither the behavior of the component, package, or SharePoint is impacted by changing the `version` property.</a:t>
+            </a:r>
+          </a:p>
+          <a:p>
+            <a:endParaRPr lang="en-US" dirty="0"/>
+          </a:p>
+          <a:p>
+            <a:r>
+              <a:rPr lang="en-US" dirty="0"/>
+              <a:t>While it's only used for documentation, its recommended to increment this version whenever you make changes to your components strictly for documentation purposes.</a:t>
+            </a:r>
           </a:p>
         </p:txBody>
       </p:sp>
@@ -1736,6 +2125,10 @@
           <a:bodyPr/>
           <a:lstStyle/>
           <a:p>
+            <a:r>
+              <a:rPr lang="en-US"/>
+              <a:t>SharePoint</a:t>
+            </a:r>
             <a:endParaRPr lang="en-US" dirty="0"/>
           </a:p>
         </p:txBody>
@@ -1755,7 +2148,7 @@
           <a:bodyPr/>
           <a:lstStyle/>
           <a:p>
-            <a:pPr defTabSz="914099" eaLnBrk="0" hangingPunct="0"/>
+            <a:pPr defTabSz="924154" eaLnBrk="0" hangingPunct="0"/>
             <a:r>
               <a:rPr lang="en-US" sz="400">
                 <a:gradFill>
@@ -1773,7 +2166,7 @@
                 <a:ea typeface="Segoe UI" pitchFamily="34" charset="0"/>
                 <a:cs typeface="Segoe UI" pitchFamily="34" charset="0"/>
               </a:rPr>
-              <a:t>© Microsoft Corporation. All rights reserved. MICROSOFT MAKES NO WARRANTIES, EXPRESS, IMPLIED OR STATUTORY, AS TO THE INFORMATION IN THIS PRESENTATION.</a:t>
+              <a:t>© 2016 Microsoft Corporation. All rights reserved. MICROSOFT MAKES NO WARRANTIES, EXPRESS, IMPLIED OR STATUTORY, AS TO THE INFORMATION IN THIS PRESENTATION.</a:t>
             </a:r>
             <a:endParaRPr lang="en-US" sz="400" dirty="0">
               <a:gradFill>
@@ -1796,12 +2189,12 @@
       </p:sp>
       <p:sp>
         <p:nvSpPr>
-          <p:cNvPr id="6" name="Date Placeholder 5"/>
+          <p:cNvPr id="6" name="Slide Number Placeholder 5"/>
           <p:cNvSpPr>
             <a:spLocks noGrp="1"/>
           </p:cNvSpPr>
           <p:nvPr>
-            <p:ph type="dt" idx="12"/>
+            <p:ph type="sldNum" sz="quarter" idx="12"/>
           </p:nvPr>
         </p:nvSpPr>
         <p:spPr/>
@@ -1809,33 +2202,10 @@
           <a:bodyPr/>
           <a:lstStyle/>
           <a:p>
-            <a:fld id="{D18B56EA-E28F-4F92-9F16-7A6F2501B303}" type="datetime8">
-              <a:rPr lang="en-US" smtClean="0"/>
-              <a:t>3/14/19 2:52 PM</a:t>
-            </a:fld>
-            <a:endParaRPr lang="en-US" dirty="0"/>
-          </a:p>
-        </p:txBody>
-      </p:sp>
-      <p:sp>
-        <p:nvSpPr>
-          <p:cNvPr id="7" name="Slide Number Placeholder 6"/>
-          <p:cNvSpPr>
-            <a:spLocks noGrp="1"/>
-          </p:cNvSpPr>
-          <p:nvPr>
-            <p:ph type="sldNum" sz="quarter" idx="13"/>
-          </p:nvPr>
-        </p:nvSpPr>
-        <p:spPr/>
-        <p:txBody>
-          <a:bodyPr/>
-          <a:lstStyle/>
-          <a:p>
             <a:fld id="{B4008EB6-D09E-4580-8CD6-DDB14511944F}" type="slidenum">
               <a:rPr lang="en-US" smtClean="0"/>
               <a:pPr/>
-              <a:t>9</a:t>
+              <a:t>6</a:t>
             </a:fld>
             <a:endParaRPr lang="en-US" dirty="0"/>
           </a:p>
@@ -1844,7 +2214,7 @@
     </p:spTree>
     <p:extLst>
       <p:ext uri="{BB962C8B-B14F-4D97-AF65-F5344CB8AC3E}">
-        <p14:creationId xmlns:p14="http://schemas.microsoft.com/office/powerpoint/2010/main" val="3282806226"/>
+        <p14:creationId xmlns:p14="http://schemas.microsoft.com/office/powerpoint/2010/main" val="2101158010"/>
       </p:ext>
     </p:extLst>
   </p:cSld>
@@ -1992,7 +2362,7 @@
           <a:p>
             <a:fld id="{D18B56EA-E28F-4F92-9F16-7A6F2501B303}" type="datetime8">
               <a:rPr lang="en-US" smtClean="0"/>
-              <a:t>3/14/19 1:45 PM</a:t>
+              <a:t>3/6/20 3:35 PM</a:t>
             </a:fld>
             <a:endParaRPr lang="en-US" dirty="0"/>
           </a:p>
@@ -2016,7 +2386,7 @@
             <a:fld id="{B4008EB6-D09E-4580-8CD6-DDB14511944F}" type="slidenum">
               <a:rPr lang="en-US" smtClean="0"/>
               <a:pPr/>
-              <a:t>10</a:t>
+              <a:t>7</a:t>
             </a:fld>
             <a:endParaRPr lang="en-US" dirty="0"/>
           </a:p>
@@ -2025,7 +2395,7 @@
     </p:spTree>
     <p:extLst>
       <p:ext uri="{BB962C8B-B14F-4D97-AF65-F5344CB8AC3E}">
-        <p14:creationId xmlns:p14="http://schemas.microsoft.com/office/powerpoint/2010/main" val="2510823477"/>
+        <p14:creationId xmlns:p14="http://schemas.microsoft.com/office/powerpoint/2010/main" val="3738293785"/>
       </p:ext>
     </p:extLst>
   </p:cSld>
@@ -2079,7 +2449,7 @@
           <a:bodyPr/>
           <a:lstStyle/>
           <a:p>
-            <a:endParaRPr lang="en-US"/>
+            <a:endParaRPr lang="en-US" dirty="0"/>
           </a:p>
         </p:txBody>
       </p:sp>
@@ -2173,7 +2543,7 @@
           <a:p>
             <a:fld id="{D18B56EA-E28F-4F92-9F16-7A6F2501B303}" type="datetime8">
               <a:rPr lang="en-US" smtClean="0"/>
-              <a:t>3/14/19 1:45 PM</a:t>
+              <a:t>3/6/20 3:35 PM</a:t>
             </a:fld>
             <a:endParaRPr lang="en-US" dirty="0"/>
           </a:p>
@@ -2197,7 +2567,7 @@
             <a:fld id="{B4008EB6-D09E-4580-8CD6-DDB14511944F}" type="slidenum">
               <a:rPr lang="en-US" smtClean="0"/>
               <a:pPr/>
-              <a:t>11</a:t>
+              <a:t>9</a:t>
             </a:fld>
             <a:endParaRPr lang="en-US" dirty="0"/>
           </a:p>
@@ -2206,7 +2576,188 @@
     </p:spTree>
     <p:extLst>
       <p:ext uri="{BB962C8B-B14F-4D97-AF65-F5344CB8AC3E}">
-        <p14:creationId xmlns:p14="http://schemas.microsoft.com/office/powerpoint/2010/main" val="1685519606"/>
+        <p14:creationId xmlns:p14="http://schemas.microsoft.com/office/powerpoint/2010/main" val="3282806226"/>
+      </p:ext>
+    </p:extLst>
+  </p:cSld>
+  <p:clrMapOvr>
+    <a:masterClrMapping/>
+  </p:clrMapOvr>
+</p:notes>
+</file>
+
+<file path=ppt/notesSlides/notesSlide9.xml><?xml version="1.0" encoding="utf-8"?>
+<p:notes xmlns:a="http://schemas.openxmlformats.org/drawingml/2006/main" xmlns:r="http://schemas.openxmlformats.org/officeDocument/2006/relationships" xmlns:p="http://schemas.openxmlformats.org/presentationml/2006/main">
+  <p:cSld>
+    <p:spTree>
+      <p:nvGrpSpPr>
+        <p:cNvPr id="1" name=""/>
+        <p:cNvGrpSpPr/>
+        <p:nvPr/>
+      </p:nvGrpSpPr>
+      <p:grpSpPr>
+        <a:xfrm>
+          <a:off x="0" y="0"/>
+          <a:ext cx="0" cy="0"/>
+          <a:chOff x="0" y="0"/>
+          <a:chExt cx="0" cy="0"/>
+        </a:xfrm>
+      </p:grpSpPr>
+      <p:sp>
+        <p:nvSpPr>
+          <p:cNvPr id="2" name="Slide Image Placeholder 1"/>
+          <p:cNvSpPr>
+            <a:spLocks noGrp="1" noRot="1" noChangeAspect="1"/>
+          </p:cNvSpPr>
+          <p:nvPr>
+            <p:ph type="sldImg"/>
+          </p:nvPr>
+        </p:nvSpPr>
+        <p:spPr/>
+      </p:sp>
+      <p:sp>
+        <p:nvSpPr>
+          <p:cNvPr id="3" name="Notes Placeholder 2"/>
+          <p:cNvSpPr>
+            <a:spLocks noGrp="1"/>
+          </p:cNvSpPr>
+          <p:nvPr>
+            <p:ph type="body" idx="1"/>
+          </p:nvPr>
+        </p:nvSpPr>
+        <p:spPr/>
+        <p:txBody>
+          <a:bodyPr/>
+          <a:lstStyle/>
+          <a:p>
+            <a:endParaRPr lang="en-US"/>
+          </a:p>
+        </p:txBody>
+      </p:sp>
+      <p:sp>
+        <p:nvSpPr>
+          <p:cNvPr id="4" name="Header Placeholder 3"/>
+          <p:cNvSpPr>
+            <a:spLocks noGrp="1"/>
+          </p:cNvSpPr>
+          <p:nvPr>
+            <p:ph type="hdr" sz="quarter" idx="10"/>
+          </p:nvPr>
+        </p:nvSpPr>
+        <p:spPr/>
+        <p:txBody>
+          <a:bodyPr/>
+          <a:lstStyle/>
+          <a:p>
+            <a:endParaRPr lang="en-US" dirty="0"/>
+          </a:p>
+        </p:txBody>
+      </p:sp>
+      <p:sp>
+        <p:nvSpPr>
+          <p:cNvPr id="5" name="Footer Placeholder 4"/>
+          <p:cNvSpPr>
+            <a:spLocks noGrp="1"/>
+          </p:cNvSpPr>
+          <p:nvPr>
+            <p:ph type="ftr" sz="quarter" idx="11"/>
+          </p:nvPr>
+        </p:nvSpPr>
+        <p:spPr/>
+        <p:txBody>
+          <a:bodyPr/>
+          <a:lstStyle/>
+          <a:p>
+            <a:pPr defTabSz="914099" eaLnBrk="0" hangingPunct="0"/>
+            <a:r>
+              <a:rPr lang="en-US" sz="400">
+                <a:gradFill>
+                  <a:gsLst>
+                    <a:gs pos="0">
+                      <a:prstClr val="black"/>
+                    </a:gs>
+                    <a:gs pos="100000">
+                      <a:prstClr val="black"/>
+                    </a:gs>
+                  </a:gsLst>
+                  <a:lin ang="5400000" scaled="0"/>
+                </a:gradFill>
+                <a:latin typeface="Segoe UI" pitchFamily="34" charset="0"/>
+                <a:ea typeface="Segoe UI" pitchFamily="34" charset="0"/>
+                <a:cs typeface="Segoe UI" pitchFamily="34" charset="0"/>
+              </a:rPr>
+              <a:t>© Microsoft Corporation. All rights reserved. MICROSOFT MAKES NO WARRANTIES, EXPRESS, IMPLIED OR STATUTORY, AS TO THE INFORMATION IN THIS PRESENTATION.</a:t>
+            </a:r>
+            <a:endParaRPr lang="en-US" sz="400" dirty="0">
+              <a:gradFill>
+                <a:gsLst>
+                  <a:gs pos="0">
+                    <a:prstClr val="black"/>
+                  </a:gs>
+                  <a:gs pos="100000">
+                    <a:prstClr val="black"/>
+                  </a:gs>
+                </a:gsLst>
+                <a:lin ang="5400000" scaled="0"/>
+              </a:gradFill>
+              <a:latin typeface="Segoe UI" pitchFamily="34" charset="0"/>
+              <a:ea typeface="Segoe UI" pitchFamily="34" charset="0"/>
+              <a:cs typeface="Segoe UI" pitchFamily="34" charset="0"/>
+            </a:endParaRPr>
+          </a:p>
+        </p:txBody>
+      </p:sp>
+      <p:sp>
+        <p:nvSpPr>
+          <p:cNvPr id="6" name="Date Placeholder 5"/>
+          <p:cNvSpPr>
+            <a:spLocks noGrp="1"/>
+          </p:cNvSpPr>
+          <p:nvPr>
+            <p:ph type="dt" idx="12"/>
+          </p:nvPr>
+        </p:nvSpPr>
+        <p:spPr/>
+        <p:txBody>
+          <a:bodyPr/>
+          <a:lstStyle/>
+          <a:p>
+            <a:fld id="{D18B56EA-E28F-4F92-9F16-7A6F2501B303}" type="datetime8">
+              <a:rPr lang="en-US" smtClean="0"/>
+              <a:t>3/6/20 3:35 PM</a:t>
+            </a:fld>
+            <a:endParaRPr lang="en-US" dirty="0"/>
+          </a:p>
+        </p:txBody>
+      </p:sp>
+      <p:sp>
+        <p:nvSpPr>
+          <p:cNvPr id="7" name="Slide Number Placeholder 6"/>
+          <p:cNvSpPr>
+            <a:spLocks noGrp="1"/>
+          </p:cNvSpPr>
+          <p:nvPr>
+            <p:ph type="sldNum" sz="quarter" idx="13"/>
+          </p:nvPr>
+        </p:nvSpPr>
+        <p:spPr/>
+        <p:txBody>
+          <a:bodyPr/>
+          <a:lstStyle/>
+          <a:p>
+            <a:fld id="{B4008EB6-D09E-4580-8CD6-DDB14511944F}" type="slidenum">
+              <a:rPr lang="en-US" smtClean="0"/>
+              <a:pPr/>
+              <a:t>10</a:t>
+            </a:fld>
+            <a:endParaRPr lang="en-US" dirty="0"/>
+          </a:p>
+        </p:txBody>
+      </p:sp>
+    </p:spTree>
+    <p:extLst>
+      <p:ext uri="{BB962C8B-B14F-4D97-AF65-F5344CB8AC3E}">
+        <p14:creationId xmlns:p14="http://schemas.microsoft.com/office/powerpoint/2010/main" val="2510823477"/>
       </p:ext>
     </p:extLst>
   </p:cSld>
@@ -14886,7 +15437,7 @@
       </a:lvl9pPr>
     </p:otherStyle>
   </p:txStyles>
-  <p:extLst mod="1">
+  <p:extLst>
     <p:ext uri="{27BBF7A9-308A-43DC-89C8-2F10F3537804}">
       <p15:sldGuideLst xmlns:p15="http://schemas.microsoft.com/office/powerpoint/2012/main">
         <p15:guide id="3" pos="1381" userDrawn="1">
@@ -15744,7 +16295,7 @@
           <p:nvPr/>
         </p:nvPicPr>
         <p:blipFill>
-          <a:blip r:embed="rId2"/>
+          <a:blip r:embed="rId3"/>
           <a:stretch>
             <a:fillRect/>
           </a:stretch>
@@ -16151,7 +16702,7 @@
           <p:nvPr/>
         </p:nvPicPr>
         <p:blipFill>
-          <a:blip r:embed="rId2"/>
+          <a:blip r:embed="rId3"/>
           <a:stretch>
             <a:fillRect/>
           </a:stretch>
@@ -16175,7 +16726,7 @@
           <p:nvPr/>
         </p:nvPicPr>
         <p:blipFill>
-          <a:blip r:embed="rId3"/>
+          <a:blip r:embed="rId4"/>
           <a:stretch>
             <a:fillRect/>
           </a:stretch>

--- a/03-versions.pptx
+++ b/03-versions.pptx
@@ -264,7 +264,7 @@
               <a:rPr lang="en-US" smtClean="0">
                 <a:latin typeface="Segoe UI" pitchFamily="34" charset="0"/>
               </a:rPr>
-              <a:t>3/6/20 3:35 PM</a:t>
+              <a:t>8/29/2020 7:00 PM</a:t>
             </a:fld>
             <a:endParaRPr lang="en-US" dirty="0">
               <a:latin typeface="Segoe UI" pitchFamily="34" charset="0"/>
@@ -561,7 +561,7 @@
           <a:p>
             <a:fld id="{D18B56EA-E28F-4F92-9F16-7A6F2501B303}" type="datetime8">
               <a:rPr lang="en-US" smtClean="0"/>
-              <a:t>3/6/20 3:35 PM</a:t>
+              <a:t>8/29/2020 7:00 PM</a:t>
             </a:fld>
             <a:endParaRPr lang="en-US" dirty="0"/>
           </a:p>
@@ -944,7 +944,7 @@
           <a:p>
             <a:fld id="{D18B56EA-E28F-4F92-9F16-7A6F2501B303}" type="datetime8">
               <a:rPr lang="en-US" smtClean="0"/>
-              <a:t>3/6/20 3:35 PM</a:t>
+              <a:t>8/29/2020 7:00 PM</a:t>
             </a:fld>
             <a:endParaRPr lang="en-US" dirty="0"/>
           </a:p>
@@ -1125,7 +1125,7 @@
           <a:p>
             <a:fld id="{D18B56EA-E28F-4F92-9F16-7A6F2501B303}" type="datetime8">
               <a:rPr lang="en-US" smtClean="0"/>
-              <a:t>3/6/20 3:35 PM</a:t>
+              <a:t>8/29/2020 7:00 PM</a:t>
             </a:fld>
             <a:endParaRPr lang="en-US" dirty="0"/>
           </a:p>
@@ -1309,7 +1309,7 @@
           <a:p>
             <a:fld id="{D18B56EA-E28F-4F92-9F16-7A6F2501B303}" type="datetime8">
               <a:rPr lang="en-US" smtClean="0"/>
-              <a:t>3/8/20 8:29 AM</a:t>
+              <a:t>8/29/2020 7:00 PM</a:t>
             </a:fld>
             <a:endParaRPr lang="en-US" dirty="0"/>
           </a:p>
@@ -1415,8 +1415,14 @@
           </a:p>
           <a:p>
             <a:r>
-              <a:rPr lang="en-US" dirty="0"/>
-              <a:t>When updating a component or package, it is not required to increment the version numbers. Versioning is mostly used for documentation purposes but there are some scenarios that require you to increment the versions of packages and components.</a:t>
+              <a:rPr lang="en-US" b="0" dirty="0">
+                <a:solidFill>
+                  <a:srgbClr val="000000"/>
+                </a:solidFill>
+                <a:effectLst/>
+                <a:latin typeface="Consolas" panose="020B0609020204030204" pitchFamily="49" charset="0"/>
+              </a:rPr>
+              <a:t>When updating a component or package, it isn't required to increment the version numbers, versioning is mostly used for documentation purposes. However there are some scenarios that require you to increment the versions of packages and components.</a:t>
             </a:r>
           </a:p>
           <a:p>
@@ -1733,7 +1739,7 @@
           <a:p>
             <a:fld id="{D18B56EA-E28F-4F92-9F16-7A6F2501B303}" type="datetime8">
               <a:rPr lang="en-US" smtClean="0"/>
-              <a:t>3/8/20 8:43 AM</a:t>
+              <a:t>8/29/2020 7:00 PM</a:t>
             </a:fld>
             <a:endParaRPr lang="en-US" dirty="0"/>
           </a:p>
@@ -1982,7 +1988,7 @@
           <a:p>
             <a:fld id="{D18B56EA-E28F-4F92-9F16-7A6F2501B303}" type="datetime8">
               <a:rPr lang="en-US" smtClean="0"/>
-              <a:t>3/8/20 5:27 PM</a:t>
+              <a:t>8/29/2020 7:00 PM</a:t>
             </a:fld>
             <a:endParaRPr lang="en-US" dirty="0"/>
           </a:p>
@@ -2104,8 +2110,14 @@
           </a:p>
           <a:p>
             <a:r>
-              <a:rPr lang="en-US" dirty="0"/>
-              <a:t>While it's only used for documentation, its recommended to increment this version whenever you make changes to your components strictly for documentation purposes.</a:t>
+              <a:rPr lang="en-US" b="0" dirty="0">
+                <a:solidFill>
+                  <a:srgbClr val="000000"/>
+                </a:solidFill>
+                <a:effectLst/>
+                <a:latin typeface="Consolas" panose="020B0609020204030204" pitchFamily="49" charset="0"/>
+              </a:rPr>
+              <a:t>While it's only used for documentation, it's still recommended to increment this version whenever you make changes to your components.</a:t>
             </a:r>
           </a:p>
         </p:txBody>
@@ -2362,7 +2374,7 @@
           <a:p>
             <a:fld id="{D18B56EA-E28F-4F92-9F16-7A6F2501B303}" type="datetime8">
               <a:rPr lang="en-US" smtClean="0"/>
-              <a:t>3/6/20 3:35 PM</a:t>
+              <a:t>8/29/2020 7:00 PM</a:t>
             </a:fld>
             <a:endParaRPr lang="en-US" dirty="0"/>
           </a:p>
@@ -2543,7 +2555,7 @@
           <a:p>
             <a:fld id="{D18B56EA-E28F-4F92-9F16-7A6F2501B303}" type="datetime8">
               <a:rPr lang="en-US" smtClean="0"/>
-              <a:t>3/6/20 3:35 PM</a:t>
+              <a:t>8/29/2020 7:00 PM</a:t>
             </a:fld>
             <a:endParaRPr lang="en-US" dirty="0"/>
           </a:p>
@@ -2724,7 +2736,7 @@
           <a:p>
             <a:fld id="{D18B56EA-E28F-4F92-9F16-7A6F2501B303}" type="datetime8">
               <a:rPr lang="en-US" smtClean="0"/>
-              <a:t>3/6/20 3:35 PM</a:t>
+              <a:t>8/29/2020 7:00 PM</a:t>
             </a:fld>
             <a:endParaRPr lang="en-US" dirty="0"/>
           </a:p>

--- a/03-versions.pptx
+++ b/03-versions.pptx
@@ -14,8 +14,8 @@
     <p:sldId id="1562" r:id="rId3"/>
     <p:sldId id="1563" r:id="rId4"/>
     <p:sldId id="1547" r:id="rId5"/>
-    <p:sldId id="258" r:id="rId6"/>
-    <p:sldId id="259" r:id="rId7"/>
+    <p:sldId id="259" r:id="rId6"/>
+    <p:sldId id="258" r:id="rId7"/>
     <p:sldId id="260" r:id="rId8"/>
     <p:sldId id="1589" r:id="rId9"/>
     <p:sldId id="1577" r:id="rId10"/>
@@ -132,8 +132,8 @@
         <p14:section name="project anatomy" id="{7AD6C352-0A45-444E-B8F9-8D2038BF74CA}">
           <p14:sldIdLst>
             <p14:sldId id="1547"/>
+            <p14:sldId id="259"/>
             <p14:sldId id="258"/>
-            <p14:sldId id="259"/>
             <p14:sldId id="260"/>
             <p14:sldId id="1589"/>
           </p14:sldIdLst>
@@ -264,7 +264,7 @@
               <a:rPr lang="en-US" smtClean="0">
                 <a:latin typeface="Segoe UI" pitchFamily="34" charset="0"/>
               </a:rPr>
-              <a:t>8/29/2020 7:00 PM</a:t>
+              <a:t>4/30/2022 12:53 PM</a:t>
             </a:fld>
             <a:endParaRPr lang="en-US" dirty="0">
               <a:latin typeface="Segoe UI" pitchFamily="34" charset="0"/>
@@ -561,7 +561,7 @@
           <a:p>
             <a:fld id="{D18B56EA-E28F-4F92-9F16-7A6F2501B303}" type="datetime8">
               <a:rPr lang="en-US" smtClean="0"/>
-              <a:t>8/29/2020 7:00 PM</a:t>
+              <a:t>4/30/2022 12:53 PM</a:t>
             </a:fld>
             <a:endParaRPr lang="en-US" dirty="0"/>
           </a:p>
@@ -944,7 +944,7 @@
           <a:p>
             <a:fld id="{D18B56EA-E28F-4F92-9F16-7A6F2501B303}" type="datetime8">
               <a:rPr lang="en-US" smtClean="0"/>
-              <a:t>8/29/2020 7:00 PM</a:t>
+              <a:t>4/30/2022 12:53 PM</a:t>
             </a:fld>
             <a:endParaRPr lang="en-US" dirty="0"/>
           </a:p>
@@ -1125,7 +1125,7 @@
           <a:p>
             <a:fld id="{D18B56EA-E28F-4F92-9F16-7A6F2501B303}" type="datetime8">
               <a:rPr lang="en-US" smtClean="0"/>
-              <a:t>8/29/2020 7:00 PM</a:t>
+              <a:t>4/30/2022 12:53 PM</a:t>
             </a:fld>
             <a:endParaRPr lang="en-US" dirty="0"/>
           </a:p>
@@ -1309,7 +1309,7 @@
           <a:p>
             <a:fld id="{D18B56EA-E28F-4F92-9F16-7A6F2501B303}" type="datetime8">
               <a:rPr lang="en-US" smtClean="0"/>
-              <a:t>8/29/2020 7:00 PM</a:t>
+              <a:t>4/30/2022 12:53 PM</a:t>
             </a:fld>
             <a:endParaRPr lang="en-US" dirty="0"/>
           </a:p>
@@ -1398,7 +1398,7 @@
           <a:p>
             <a:r>
               <a:rPr lang="en-US" dirty="0"/>
-              <a:t>SharePoint Framework projects have two different things that you can version.</a:t>
+              <a:t>SharePoint Framework projects have three things that you can version. You can assign a version to the each component, such as a web part or an extension, in the package. You can assign a version to the Features in the package. And you can assign a version the package itself.</a:t>
             </a:r>
           </a:p>
           <a:p>
@@ -1407,7 +1407,7 @@
           <a:p>
             <a:r>
               <a:rPr lang="en-US" dirty="0"/>
-              <a:t>In a SharePoint Framework project, you can assign a version to the component itself, such as a web part or an extension. You can also version the entire SharePoint Framework package.</a:t>
+              <a:t>Versioning of components is exclusively used for documentation purposes. Versioning of Features and the package is also used for documentation purposes, however there are scenarios where you may be required to increment the version number for one or more Features and/or the package version number to see the effects of your changes.</a:t>
             </a:r>
           </a:p>
           <a:p>
@@ -1415,14 +1415,8 @@
           </a:p>
           <a:p>
             <a:r>
-              <a:rPr lang="en-US" b="0" dirty="0">
-                <a:solidFill>
-                  <a:srgbClr val="000000"/>
-                </a:solidFill>
-                <a:effectLst/>
-                <a:latin typeface="Consolas" panose="020B0609020204030204" pitchFamily="49" charset="0"/>
-              </a:rPr>
-              <a:t>When updating a component or package, it isn't required to increment the version numbers, versioning is mostly used for documentation purposes. However there are some scenarios that require you to increment the versions of packages and components.</a:t>
+              <a:rPr lang="en-US" dirty="0"/>
+              <a:t>When you change the code for a SharePoint Framework component, you'll need to rebuild, bundle, package, and redeploy the solution to SharePoint. When the package is redeployed, all existing code files are automatically overwritten with the new files regardless of whether the package version number changed or not.</a:t>
             </a:r>
           </a:p>
           <a:p>
@@ -1431,7 +1425,7 @@
           <a:p>
             <a:r>
               <a:rPr lang="en-US" dirty="0"/>
-              <a:t>When you change the code for a SharePoint Framework component, you'll need to rebuild, bundle, package and redeploy the solution to SharePoint. When the package is redeployed, all existing code files are automatically overwritten with the new files regardless if the version number changed or not.</a:t>
+              <a:t>When you add new web parts to a SharePoint Framework project, you'll need to rebuild, bundle, package, and redeploy the solution to SharePoint. When the package is redeployed, the new web parts will be immediately available regardless of whether the package version number changed or not.</a:t>
             </a:r>
           </a:p>
           <a:p>
@@ -1440,11 +1434,25 @@
           <a:p>
             <a:r>
               <a:rPr lang="en-US" dirty="0"/>
-              <a:t>The only time a version number can impact updating a SharePoint package or component is when you increment the package version. When SharePoint detects a new version number for an updated package, it will trigger SharePoint's app upgrade process. Nothing happens automatically, but the app can now be upgraded.</a:t>
+              <a:t>When you add new extensions to a SharePoint Framework project, you don't need to increment any version numbers for the new extensions to be available after you rebuild, bundle, package, and redeploy the solution to SharePoint.</a:t>
             </a:r>
           </a:p>
           <a:p>
             <a:endParaRPr lang="en-US" dirty="0"/>
+          </a:p>
+          <a:p>
+            <a:r>
+              <a:rPr lang="en-US" dirty="0"/>
+              <a:t>If you don't enable tenant wide deployment you'll need to increment both the package version and the version number of the Feature or Features that provision resources associated with the extensions. Then you need to rebuild, bundle, package, and redeploy the solution to SharePoint. Incrementing the package version enables you to update the app in site collections where it's been added. Incrementing the Feature version indicates to SharePoint that the Feature needs to be </a:t>
+            </a:r>
+            <a:r>
+              <a:rPr lang="en-US" dirty="0" err="1"/>
+              <a:t>upated</a:t>
+            </a:r>
+            <a:r>
+              <a:rPr lang="en-US" dirty="0"/>
+              <a:t> during the app update process.</a:t>
+            </a:r>
           </a:p>
         </p:txBody>
       </p:sp>
@@ -1608,7 +1616,15 @@
           <a:p>
             <a:r>
               <a:rPr lang="en-US" dirty="0"/>
-              <a:t>The version number of components is set in the component's manifest file. The `version` property is set to a string as shown in the following figure:</a:t>
+              <a:t>The version number for the package is defined in the **./config/package-</a:t>
+            </a:r>
+            <a:r>
+              <a:rPr lang="en-US" dirty="0" err="1"/>
+              <a:t>solution.json</a:t>
+            </a:r>
+            <a:r>
+              <a:rPr lang="en-US" dirty="0"/>
+              <a:t>** file. SharePoint package version is displayed in the tenant or site collection App Catalog:</a:t>
             </a:r>
           </a:p>
           <a:p>
@@ -1617,15 +1633,7 @@
           <a:p>
             <a:r>
               <a:rPr lang="en-US" dirty="0"/>
-              <a:t>If this value is set to `*`, the `version` property from the project's **</a:t>
-            </a:r>
-            <a:r>
-              <a:rPr lang="en-US" dirty="0" err="1"/>
-              <a:t>package.json</a:t>
-            </a:r>
-            <a:r>
-              <a:rPr lang="en-US" dirty="0"/>
-              <a:t>** file is used.</a:t>
+              <a:t>If you deploy an updated SharePoint package without changing the version numbers, SharePoint will still update the existing deployed component runtime files, including the JavaScript bundles.</a:t>
             </a:r>
           </a:p>
           <a:p>
@@ -1634,14 +1642,8 @@
           <a:p>
             <a:r>
               <a:rPr lang="en-US" dirty="0"/>
-              <a:t>By setting the version number in each component manifest, different components in the resulting SharePoint package can each share the same version number or they can have unique version numbers.</a:t>
-            </a:r>
-          </a:p>
-          <a:p>
-            <a:endParaRPr lang="en-US" dirty="0"/>
-          </a:p>
-          <a:p>
-            <a:endParaRPr lang="en-US" dirty="0"/>
+              <a:t>The package version is used for documentation and to trigger the SharePoint app upgrade process. The app upgrade process may be required when new components are added to a project</a:t>
+            </a:r>
           </a:p>
         </p:txBody>
       </p:sp>
@@ -1739,7 +1741,7 @@
           <a:p>
             <a:fld id="{D18B56EA-E28F-4F92-9F16-7A6F2501B303}" type="datetime8">
               <a:rPr lang="en-US" smtClean="0"/>
-              <a:t>8/29/2020 7:00 PM</a:t>
+              <a:t>4/30/2022 12:53 PM</a:t>
             </a:fld>
             <a:endParaRPr lang="en-US" dirty="0"/>
           </a:p>
@@ -1772,7 +1774,7 @@
     </p:spTree>
     <p:extLst>
       <p:ext uri="{BB962C8B-B14F-4D97-AF65-F5344CB8AC3E}">
-        <p14:creationId xmlns:p14="http://schemas.microsoft.com/office/powerpoint/2010/main" val="2019990637"/>
+        <p14:creationId xmlns:p14="http://schemas.microsoft.com/office/powerpoint/2010/main" val="1029756487"/>
       </p:ext>
     </p:extLst>
   </p:cSld>
@@ -1828,15 +1830,7 @@
           <a:p>
             <a:r>
               <a:rPr lang="en-US" dirty="0"/>
-              <a:t>The version number for the package is defined in the **./config/package-</a:t>
-            </a:r>
-            <a:r>
-              <a:rPr lang="en-US" dirty="0" err="1"/>
-              <a:t>solution.json</a:t>
-            </a:r>
-            <a:r>
-              <a:rPr lang="en-US" dirty="0"/>
-              <a:t>** file. SharePoint package version is displayed in the tenant or site collection App Catalog:</a:t>
+              <a:t>The version number of components is set in the component's manifest file. The `version` property is set to a string as shown in the following figure:</a:t>
             </a:r>
           </a:p>
           <a:p>
@@ -1845,7 +1839,15 @@
           <a:p>
             <a:r>
               <a:rPr lang="en-US" dirty="0"/>
-              <a:t>![Screenshot of the SharePoint package version](../media/06-package-version.png)</a:t>
+              <a:t>If this value is set to `*`, the `version` property from the project's **</a:t>
+            </a:r>
+            <a:r>
+              <a:rPr lang="en-US" dirty="0" err="1"/>
+              <a:t>package.json</a:t>
+            </a:r>
+            <a:r>
+              <a:rPr lang="en-US" dirty="0"/>
+              <a:t>** file is used.</a:t>
             </a:r>
           </a:p>
           <a:p>
@@ -1854,43 +1856,14 @@
           <a:p>
             <a:r>
               <a:rPr lang="en-US" dirty="0"/>
-              <a:t>If you deploy an updated SharePoint package without changing the version numbers, SharePoint will still update the existing deployed component runtime files, including the JavaScript bundles.</a:t>
+              <a:t>By setting the version number in each component manifest, different components in the resulting SharePoint package can each share the same version number or they can have unique version numbers.</a:t>
             </a:r>
           </a:p>
           <a:p>
             <a:endParaRPr lang="en-US" dirty="0"/>
           </a:p>
           <a:p>
-            <a:r>
-              <a:rPr lang="en-US" dirty="0"/>
-              <a:t>The package version is used for documentation and to trigger the SharePoint app upgrade process. The app upgrade process is required when you want to add a new component to your project.</a:t>
-            </a:r>
-          </a:p>
-          <a:p>
             <a:endParaRPr lang="en-US" dirty="0"/>
-          </a:p>
-          <a:p>
-            <a:r>
-              <a:rPr lang="en-US" dirty="0"/>
-              <a:t>Consider the following example of a **./config/package-</a:t>
-            </a:r>
-            <a:r>
-              <a:rPr lang="en-US" dirty="0" err="1"/>
-              <a:t>solution.json</a:t>
-            </a:r>
-            <a:r>
-              <a:rPr lang="en-US" dirty="0"/>
-              <a:t>** file:</a:t>
-            </a:r>
-          </a:p>
-          <a:p>
-            <a:endParaRPr lang="en-US" dirty="0"/>
-          </a:p>
-          <a:p>
-            <a:r>
-              <a:rPr lang="en-US" dirty="0"/>
-              <a:t>The package is version 1.0.0.0. If I added a new SharePoint Framework component to this package, I would need to increment this version for SharePoint to give site owners the ability to upgrade any existing app instances of this package. Otherwise, the SharePoint feature that provisions the new web part's definition file to the Web Part Gallery can't get re-activated.</a:t>
-            </a:r>
           </a:p>
         </p:txBody>
       </p:sp>
@@ -1988,7 +1961,7 @@
           <a:p>
             <a:fld id="{D18B56EA-E28F-4F92-9F16-7A6F2501B303}" type="datetime8">
               <a:rPr lang="en-US" smtClean="0"/>
-              <a:t>8/29/2020 7:00 PM</a:t>
+              <a:t>4/30/2022 12:56 PM</a:t>
             </a:fld>
             <a:endParaRPr lang="en-US" dirty="0"/>
           </a:p>
@@ -2021,7 +1994,7 @@
     </p:spTree>
     <p:extLst>
       <p:ext uri="{BB962C8B-B14F-4D97-AF65-F5344CB8AC3E}">
-        <p14:creationId xmlns:p14="http://schemas.microsoft.com/office/powerpoint/2010/main" val="1029756487"/>
+        <p14:creationId xmlns:p14="http://schemas.microsoft.com/office/powerpoint/2010/main" val="986482413"/>
       </p:ext>
     </p:extLst>
   </p:cSld>
@@ -2374,7 +2347,7 @@
           <a:p>
             <a:fld id="{D18B56EA-E28F-4F92-9F16-7A6F2501B303}" type="datetime8">
               <a:rPr lang="en-US" smtClean="0"/>
-              <a:t>8/29/2020 7:00 PM</a:t>
+              <a:t>4/30/2022 12:53 PM</a:t>
             </a:fld>
             <a:endParaRPr lang="en-US" dirty="0"/>
           </a:p>
@@ -2555,7 +2528,7 @@
           <a:p>
             <a:fld id="{D18B56EA-E28F-4F92-9F16-7A6F2501B303}" type="datetime8">
               <a:rPr lang="en-US" smtClean="0"/>
-              <a:t>8/29/2020 7:00 PM</a:t>
+              <a:t>4/30/2022 12:53 PM</a:t>
             </a:fld>
             <a:endParaRPr lang="en-US" dirty="0"/>
           </a:p>
@@ -2736,7 +2709,7 @@
           <a:p>
             <a:fld id="{D18B56EA-E28F-4F92-9F16-7A6F2501B303}" type="datetime8">
               <a:rPr lang="en-US" smtClean="0"/>
-              <a:t>8/29/2020 7:00 PM</a:t>
+              <a:t>4/30/2022 12:53 PM</a:t>
             </a:fld>
             <a:endParaRPr lang="en-US" dirty="0"/>
           </a:p>
@@ -15967,7 +15940,7 @@
             </a:pPr>
             <a:r>
               <a:rPr lang="en-US" sz="2000" dirty="0"/>
-              <a:t>Updating Component Versions</a:t>
+              <a:t>Updating SharePoint Package Versions</a:t>
             </a:r>
           </a:p>
           <a:p>
@@ -15978,8 +15951,16 @@
             </a:pPr>
             <a:r>
               <a:rPr lang="en-US" sz="2000" dirty="0"/>
-              <a:t>Updating SharePoint Package Versions</a:t>
-            </a:r>
+              <a:t>Updating Component Versions</a:t>
+            </a:r>
+          </a:p>
+          <a:p>
+            <a:pPr>
+              <a:spcBef>
+                <a:spcPts val="1200"/>
+              </a:spcBef>
+            </a:pPr>
+            <a:endParaRPr lang="en-US" sz="2000" dirty="0"/>
           </a:p>
         </p:txBody>
       </p:sp>
@@ -16038,7 +16019,7 @@
         <p:spPr>
           <a:xfrm>
             <a:off x="464400" y="1212850"/>
-            <a:ext cx="11574000" cy="2853089"/>
+            <a:ext cx="11574000" cy="3157788"/>
           </a:xfrm>
         </p:spPr>
         <p:txBody>
@@ -16047,15 +16028,7 @@
           <a:p>
             <a:r>
               <a:rPr lang="en-US" dirty="0"/>
-              <a:t>Two things can be versioned in </a:t>
-            </a:r>
-            <a:r>
-              <a:rPr lang="en-US" dirty="0" err="1"/>
-              <a:t>SPFx</a:t>
-            </a:r>
-            <a:r>
-              <a:rPr lang="en-US" dirty="0"/>
-              <a:t> projects:</a:t>
+              <a:t>Three things can be versioned in SPFx projects:</a:t>
             </a:r>
           </a:p>
           <a:p>
@@ -16069,6 +16042,13 @@
             <a:pPr lvl="1"/>
             <a:r>
               <a:rPr lang="en-US" dirty="0"/>
+              <a:t>Features</a:t>
+            </a:r>
+          </a:p>
+          <a:p>
+            <a:pPr lvl="1"/>
+            <a:r>
+              <a:rPr lang="en-US" dirty="0"/>
               <a:t>Package (*.</a:t>
             </a:r>
             <a:r>
@@ -16107,7 +16087,7 @@
             <a:pPr lvl="1"/>
             <a:r>
               <a:rPr lang="en-US" dirty="0"/>
-              <a:t>Package version used for documentation &amp; to trigger SharePoint’s app upgrade process</a:t>
+              <a:t>Package version used for documentation and to trigger SharePoint’s app upgrade process</a:t>
             </a:r>
           </a:p>
         </p:txBody>
@@ -16186,180 +16166,6 @@
           <p:cNvPr id="6" name="Text Placeholder 5">
             <a:extLst>
               <a:ext uri="{FF2B5EF4-FFF2-40B4-BE49-F238E27FC236}">
-                <a16:creationId xmlns:a16="http://schemas.microsoft.com/office/drawing/2014/main" id="{EA07EC8A-803B-CD49-993C-74E514FCB6F3}"/>
-              </a:ext>
-            </a:extLst>
-          </p:cNvPr>
-          <p:cNvSpPr>
-            <a:spLocks noGrp="1"/>
-          </p:cNvSpPr>
-          <p:nvPr>
-            <p:ph type="body" sz="quarter" idx="10"/>
-          </p:nvPr>
-        </p:nvSpPr>
-        <p:spPr>
-          <a:xfrm>
-            <a:off x="464400" y="1212850"/>
-            <a:ext cx="11574000" cy="2548390"/>
-          </a:xfrm>
-        </p:spPr>
-        <p:txBody>
-          <a:bodyPr/>
-          <a:lstStyle/>
-          <a:p>
-            <a:r>
-              <a:rPr lang="en-US" altLang="zh-CN" dirty="0"/>
-              <a:t>Update the code or configuration for your web part</a:t>
-            </a:r>
-          </a:p>
-          <a:p>
-            <a:r>
-              <a:rPr lang="en-US" altLang="zh-CN" dirty="0"/>
-              <a:t>Increment the version in the </a:t>
-            </a:r>
-            <a:r>
-              <a:rPr lang="en-US" altLang="zh-CN" dirty="0">
-                <a:latin typeface="Courier New" panose="02070309020205020404" pitchFamily="49" charset="0"/>
-                <a:cs typeface="Courier New" panose="02070309020205020404" pitchFamily="49" charset="0"/>
-              </a:rPr>
-              <a:t>&lt;web part name&gt;.</a:t>
-            </a:r>
-            <a:r>
-              <a:rPr lang="en-US" altLang="zh-CN" dirty="0" err="1">
-                <a:latin typeface="Courier New" panose="02070309020205020404" pitchFamily="49" charset="0"/>
-                <a:cs typeface="Courier New" panose="02070309020205020404" pitchFamily="49" charset="0"/>
-              </a:rPr>
-              <a:t>manifest.json</a:t>
-            </a:r>
-            <a:r>
-              <a:rPr lang="en-US" altLang="zh-CN" dirty="0"/>
-              <a:t> file</a:t>
-            </a:r>
-          </a:p>
-          <a:p>
-            <a:r>
-              <a:rPr lang="en-US" altLang="zh-CN" dirty="0"/>
-              <a:t>This sets the version for the web part</a:t>
-            </a:r>
-          </a:p>
-          <a:p>
-            <a:r>
-              <a:rPr lang="en-US" altLang="zh-CN" dirty="0"/>
-              <a:t>Multiple web parts in the same solution may be versioned independently</a:t>
-            </a:r>
-          </a:p>
-          <a:p>
-            <a:pPr marL="0" indent="0">
-              <a:buNone/>
-            </a:pPr>
-            <a:endParaRPr lang="en-US" altLang="zh-CN" dirty="0"/>
-          </a:p>
-          <a:p>
-            <a:pPr marL="0" indent="0">
-              <a:buNone/>
-            </a:pPr>
-            <a:endParaRPr lang="en-US" dirty="0"/>
-          </a:p>
-        </p:txBody>
-      </p:sp>
-      <p:sp>
-        <p:nvSpPr>
-          <p:cNvPr id="3" name="Title 2"/>
-          <p:cNvSpPr>
-            <a:spLocks noGrp="1"/>
-          </p:cNvSpPr>
-          <p:nvPr>
-            <p:ph type="title"/>
-          </p:nvPr>
-        </p:nvSpPr>
-        <p:spPr>
-          <a:xfrm>
-            <a:off x="464400" y="633600"/>
-            <a:ext cx="11574000" cy="387798"/>
-          </a:xfrm>
-        </p:spPr>
-        <p:txBody>
-          <a:bodyPr/>
-          <a:lstStyle/>
-          <a:p>
-            <a:r>
-              <a:rPr lang="en-US" altLang="zh-CN" dirty="0"/>
-              <a:t>Update </a:t>
-            </a:r>
-            <a:r>
-              <a:rPr lang="en-US" altLang="zh-CN" dirty="0" err="1"/>
-              <a:t>SPFx</a:t>
-            </a:r>
-            <a:r>
-              <a:rPr lang="en-US" altLang="zh-CN" dirty="0"/>
-              <a:t> components &amp; incrementing versions</a:t>
-            </a:r>
-            <a:endParaRPr lang="en-US" dirty="0"/>
-          </a:p>
-        </p:txBody>
-      </p:sp>
-      <p:pic>
-        <p:nvPicPr>
-          <p:cNvPr id="4" name="Picture 3"/>
-          <p:cNvPicPr>
-            <a:picLocks noChangeAspect="1"/>
-          </p:cNvPicPr>
-          <p:nvPr/>
-        </p:nvPicPr>
-        <p:blipFill>
-          <a:blip r:embed="rId3"/>
-          <a:stretch>
-            <a:fillRect/>
-          </a:stretch>
-        </p:blipFill>
-        <p:spPr>
-          <a:xfrm>
-            <a:off x="3028422" y="2993206"/>
-            <a:ext cx="6379631" cy="3358520"/>
-          </a:xfrm>
-          <a:prstGeom prst="rect">
-            <a:avLst/>
-          </a:prstGeom>
-        </p:spPr>
-      </p:pic>
-    </p:spTree>
-    <p:extLst>
-      <p:ext uri="{BB962C8B-B14F-4D97-AF65-F5344CB8AC3E}">
-        <p14:creationId xmlns:p14="http://schemas.microsoft.com/office/powerpoint/2010/main" val="4039320806"/>
-      </p:ext>
-    </p:extLst>
-  </p:cSld>
-  <p:clrMapOvr>
-    <a:masterClrMapping/>
-  </p:clrMapOvr>
-  <p:transition>
-    <p:fade/>
-  </p:transition>
-</p:sld>
-</file>
-
-<file path=ppt/slides/slide5.xml><?xml version="1.0" encoding="utf-8"?>
-<p:sld xmlns:a="http://schemas.openxmlformats.org/drawingml/2006/main" xmlns:r="http://schemas.openxmlformats.org/officeDocument/2006/relationships" xmlns:p="http://schemas.openxmlformats.org/presentationml/2006/main">
-  <p:cSld>
-    <p:spTree>
-      <p:nvGrpSpPr>
-        <p:cNvPr id="1" name=""/>
-        <p:cNvGrpSpPr/>
-        <p:nvPr/>
-      </p:nvGrpSpPr>
-      <p:grpSpPr>
-        <a:xfrm>
-          <a:off x="0" y="0"/>
-          <a:ext cx="0" cy="0"/>
-          <a:chOff x="0" y="0"/>
-          <a:chExt cx="0" cy="0"/>
-        </a:xfrm>
-      </p:grpSpPr>
-      <p:sp>
-        <p:nvSpPr>
-          <p:cNvPr id="6" name="Text Placeholder 5">
-            <a:extLst>
-              <a:ext uri="{FF2B5EF4-FFF2-40B4-BE49-F238E27FC236}">
                 <a16:creationId xmlns:a16="http://schemas.microsoft.com/office/drawing/2014/main" id="{6B3684C8-D530-3D4D-AB8F-57FAF5636F85}"/>
               </a:ext>
             </a:extLst>
@@ -16407,7 +16213,7 @@
           <a:p>
             <a:r>
               <a:rPr lang="en-US" altLang="zh-CN" dirty="0"/>
-              <a:t>Version is displayed in the tenant / site collection App Catalog</a:t>
+              <a:t>Version is displayed in the tenant / site collection app catalog</a:t>
             </a:r>
           </a:p>
           <a:p>
@@ -16757,6 +16563,172 @@
     <p:extLst>
       <p:ext uri="{BB962C8B-B14F-4D97-AF65-F5344CB8AC3E}">
         <p14:creationId xmlns:p14="http://schemas.microsoft.com/office/powerpoint/2010/main" val="514306318"/>
+      </p:ext>
+    </p:extLst>
+  </p:cSld>
+  <p:clrMapOvr>
+    <a:masterClrMapping/>
+  </p:clrMapOvr>
+  <p:transition>
+    <p:fade/>
+  </p:transition>
+</p:sld>
+</file>
+
+<file path=ppt/slides/slide5.xml><?xml version="1.0" encoding="utf-8"?>
+<p:sld xmlns:a="http://schemas.openxmlformats.org/drawingml/2006/main" xmlns:r="http://schemas.openxmlformats.org/officeDocument/2006/relationships" xmlns:p="http://schemas.openxmlformats.org/presentationml/2006/main">
+  <p:cSld>
+    <p:spTree>
+      <p:nvGrpSpPr>
+        <p:cNvPr id="1" name=""/>
+        <p:cNvGrpSpPr/>
+        <p:nvPr/>
+      </p:nvGrpSpPr>
+      <p:grpSpPr>
+        <a:xfrm>
+          <a:off x="0" y="0"/>
+          <a:ext cx="0" cy="0"/>
+          <a:chOff x="0" y="0"/>
+          <a:chExt cx="0" cy="0"/>
+        </a:xfrm>
+      </p:grpSpPr>
+      <p:sp>
+        <p:nvSpPr>
+          <p:cNvPr id="6" name="Text Placeholder 5">
+            <a:extLst>
+              <a:ext uri="{FF2B5EF4-FFF2-40B4-BE49-F238E27FC236}">
+                <a16:creationId xmlns:a16="http://schemas.microsoft.com/office/drawing/2014/main" id="{EA07EC8A-803B-CD49-993C-74E514FCB6F3}"/>
+              </a:ext>
+            </a:extLst>
+          </p:cNvPr>
+          <p:cNvSpPr>
+            <a:spLocks noGrp="1"/>
+          </p:cNvSpPr>
+          <p:nvPr>
+            <p:ph type="body" sz="quarter" idx="10"/>
+          </p:nvPr>
+        </p:nvSpPr>
+        <p:spPr>
+          <a:xfrm>
+            <a:off x="464400" y="1212850"/>
+            <a:ext cx="11574000" cy="2548390"/>
+          </a:xfrm>
+        </p:spPr>
+        <p:txBody>
+          <a:bodyPr/>
+          <a:lstStyle/>
+          <a:p>
+            <a:r>
+              <a:rPr lang="en-US" altLang="zh-CN" dirty="0"/>
+              <a:t>Update the code or configuration for your web part</a:t>
+            </a:r>
+          </a:p>
+          <a:p>
+            <a:r>
+              <a:rPr lang="en-US" altLang="zh-CN" dirty="0"/>
+              <a:t>Increment the version in the </a:t>
+            </a:r>
+            <a:r>
+              <a:rPr lang="en-US" altLang="zh-CN" dirty="0">
+                <a:latin typeface="Courier New" panose="02070309020205020404" pitchFamily="49" charset="0"/>
+                <a:cs typeface="Courier New" panose="02070309020205020404" pitchFamily="49" charset="0"/>
+              </a:rPr>
+              <a:t>&lt;web part name&gt;.</a:t>
+            </a:r>
+            <a:r>
+              <a:rPr lang="en-US" altLang="zh-CN" dirty="0" err="1">
+                <a:latin typeface="Courier New" panose="02070309020205020404" pitchFamily="49" charset="0"/>
+                <a:cs typeface="Courier New" panose="02070309020205020404" pitchFamily="49" charset="0"/>
+              </a:rPr>
+              <a:t>manifest.json</a:t>
+            </a:r>
+            <a:r>
+              <a:rPr lang="en-US" altLang="zh-CN" dirty="0"/>
+              <a:t> file</a:t>
+            </a:r>
+          </a:p>
+          <a:p>
+            <a:r>
+              <a:rPr lang="en-US" altLang="zh-CN" dirty="0"/>
+              <a:t>This sets the version for the web part</a:t>
+            </a:r>
+          </a:p>
+          <a:p>
+            <a:r>
+              <a:rPr lang="en-US" altLang="zh-CN" dirty="0"/>
+              <a:t>Multiple components in the same project may be versioned independently</a:t>
+            </a:r>
+          </a:p>
+          <a:p>
+            <a:pPr marL="0" indent="0">
+              <a:buNone/>
+            </a:pPr>
+            <a:endParaRPr lang="en-US" altLang="zh-CN" dirty="0"/>
+          </a:p>
+          <a:p>
+            <a:pPr marL="0" indent="0">
+              <a:buNone/>
+            </a:pPr>
+            <a:endParaRPr lang="en-US" dirty="0"/>
+          </a:p>
+        </p:txBody>
+      </p:sp>
+      <p:sp>
+        <p:nvSpPr>
+          <p:cNvPr id="3" name="Title 2"/>
+          <p:cNvSpPr>
+            <a:spLocks noGrp="1"/>
+          </p:cNvSpPr>
+          <p:nvPr>
+            <p:ph type="title"/>
+          </p:nvPr>
+        </p:nvSpPr>
+        <p:spPr>
+          <a:xfrm>
+            <a:off x="464400" y="633600"/>
+            <a:ext cx="11574000" cy="387798"/>
+          </a:xfrm>
+        </p:spPr>
+        <p:txBody>
+          <a:bodyPr/>
+          <a:lstStyle/>
+          <a:p>
+            <a:r>
+              <a:rPr lang="en-US" altLang="zh-CN" dirty="0"/>
+              <a:t>Update SPFx components and incrementing versions</a:t>
+            </a:r>
+            <a:endParaRPr lang="en-US" dirty="0"/>
+          </a:p>
+        </p:txBody>
+      </p:sp>
+      <p:pic>
+        <p:nvPicPr>
+          <p:cNvPr id="4" name="Picture 3"/>
+          <p:cNvPicPr>
+            <a:picLocks noChangeAspect="1"/>
+          </p:cNvPicPr>
+          <p:nvPr/>
+        </p:nvPicPr>
+        <p:blipFill>
+          <a:blip r:embed="rId3"/>
+          <a:stretch>
+            <a:fillRect/>
+          </a:stretch>
+        </p:blipFill>
+        <p:spPr>
+          <a:xfrm>
+            <a:off x="3028422" y="2993206"/>
+            <a:ext cx="6379631" cy="3358520"/>
+          </a:xfrm>
+          <a:prstGeom prst="rect">
+            <a:avLst/>
+          </a:prstGeom>
+        </p:spPr>
+      </p:pic>
+    </p:spTree>
+    <p:extLst>
+      <p:ext uri="{BB962C8B-B14F-4D97-AF65-F5344CB8AC3E}">
+        <p14:creationId xmlns:p14="http://schemas.microsoft.com/office/powerpoint/2010/main" val="23000099"/>
       </p:ext>
     </p:extLst>
   </p:cSld>

--- a/03-versions.pptx
+++ b/03-versions.pptx
@@ -264,7 +264,7 @@
               <a:rPr lang="en-US" smtClean="0">
                 <a:latin typeface="Segoe UI" pitchFamily="34" charset="0"/>
               </a:rPr>
-              <a:t>4/30/2022 12:53 PM</a:t>
+              <a:t>11/19/2022 4:15 PM</a:t>
             </a:fld>
             <a:endParaRPr lang="en-US" dirty="0">
               <a:latin typeface="Segoe UI" pitchFamily="34" charset="0"/>
@@ -561,7 +561,7 @@
           <a:p>
             <a:fld id="{D18B56EA-E28F-4F92-9F16-7A6F2501B303}" type="datetime8">
               <a:rPr lang="en-US" smtClean="0"/>
-              <a:t>4/30/2022 12:53 PM</a:t>
+              <a:t>11/19/2022 4:15 PM</a:t>
             </a:fld>
             <a:endParaRPr lang="en-US" dirty="0"/>
           </a:p>
@@ -944,7 +944,7 @@
           <a:p>
             <a:fld id="{D18B56EA-E28F-4F92-9F16-7A6F2501B303}" type="datetime8">
               <a:rPr lang="en-US" smtClean="0"/>
-              <a:t>4/30/2022 12:53 PM</a:t>
+              <a:t>11/19/2022 4:15 PM</a:t>
             </a:fld>
             <a:endParaRPr lang="en-US" dirty="0"/>
           </a:p>
@@ -1125,7 +1125,7 @@
           <a:p>
             <a:fld id="{D18B56EA-E28F-4F92-9F16-7A6F2501B303}" type="datetime8">
               <a:rPr lang="en-US" smtClean="0"/>
-              <a:t>4/30/2022 12:53 PM</a:t>
+              <a:t>11/19/2022 4:15 PM</a:t>
             </a:fld>
             <a:endParaRPr lang="en-US" dirty="0"/>
           </a:p>
@@ -1309,7 +1309,7 @@
           <a:p>
             <a:fld id="{D18B56EA-E28F-4F92-9F16-7A6F2501B303}" type="datetime8">
               <a:rPr lang="en-US" smtClean="0"/>
-              <a:t>4/30/2022 12:53 PM</a:t>
+              <a:t>11/19/2022 4:15 PM</a:t>
             </a:fld>
             <a:endParaRPr lang="en-US" dirty="0"/>
           </a:p>
@@ -1741,7 +1741,7 @@
           <a:p>
             <a:fld id="{D18B56EA-E28F-4F92-9F16-7A6F2501B303}" type="datetime8">
               <a:rPr lang="en-US" smtClean="0"/>
-              <a:t>4/30/2022 12:53 PM</a:t>
+              <a:t>11/19/2022 4:15 PM</a:t>
             </a:fld>
             <a:endParaRPr lang="en-US" dirty="0"/>
           </a:p>
@@ -1961,7 +1961,7 @@
           <a:p>
             <a:fld id="{D18B56EA-E28F-4F92-9F16-7A6F2501B303}" type="datetime8">
               <a:rPr lang="en-US" smtClean="0"/>
-              <a:t>4/30/2022 12:56 PM</a:t>
+              <a:t>11/19/2022 4:15 PM</a:t>
             </a:fld>
             <a:endParaRPr lang="en-US" dirty="0"/>
           </a:p>
@@ -2347,7 +2347,7 @@
           <a:p>
             <a:fld id="{D18B56EA-E28F-4F92-9F16-7A6F2501B303}" type="datetime8">
               <a:rPr lang="en-US" smtClean="0"/>
-              <a:t>4/30/2022 12:53 PM</a:t>
+              <a:t>11/19/2022 4:15 PM</a:t>
             </a:fld>
             <a:endParaRPr lang="en-US" dirty="0"/>
           </a:p>
@@ -2528,7 +2528,7 @@
           <a:p>
             <a:fld id="{D18B56EA-E28F-4F92-9F16-7A6F2501B303}" type="datetime8">
               <a:rPr lang="en-US" smtClean="0"/>
-              <a:t>4/30/2022 12:53 PM</a:t>
+              <a:t>11/19/2022 4:15 PM</a:t>
             </a:fld>
             <a:endParaRPr lang="en-US" dirty="0"/>
           </a:p>
@@ -2709,7 +2709,7 @@
           <a:p>
             <a:fld id="{D18B56EA-E28F-4F92-9F16-7A6F2501B303}" type="datetime8">
               <a:rPr lang="en-US" smtClean="0"/>
-              <a:t>4/30/2022 12:53 PM</a:t>
+              <a:t>11/19/2022 4:15 PM</a:t>
             </a:fld>
             <a:endParaRPr lang="en-US" dirty="0"/>
           </a:p>
@@ -17853,7 +17853,7 @@
                 <a:latin typeface="+mj-lt"/>
                 <a:hlinkClick r:id="rId3"/>
               </a:rPr>
-              <a:t>https://docs.microsoft.com/sharepoint/dev/spfx/sharepoint-framework-overview</a:t>
+              <a:t>https://learn.microsoft.com/sharepoint/dev/spfx/sharepoint-framework-overview</a:t>
             </a:r>
             <a:endParaRPr lang="en-US" sz="1800" dirty="0">
               <a:latin typeface="+mj-lt"/>
